--- a/lecture06_acessing_models/lecture6-0-assessing-model-accuracy.pptx
+++ b/lecture06_acessing_models/lecture6-0-assessing-model-accuracy.pptx
@@ -2796,7 +2796,7 @@
           <a:p>
             <a:fld id="{D1DDE44B-EBB0-415E-812D-999E3329532F}" type="datetimeFigureOut">
               <a:rPr lang="en-US" smtClean="0"/>
-              <a:t>10/2/2022</a:t>
+              <a:t>12/15/2022</a:t>
             </a:fld>
             <a:endParaRPr lang="en-US"/>
           </a:p>
@@ -4671,7 +4671,7 @@
           <a:p>
             <a:fld id="{1C366A2B-4610-4FB2-B411-A1548BE07C36}" type="datetimeFigureOut">
               <a:rPr lang="en-US" smtClean="0"/>
-              <a:t>10/2/2022</a:t>
+              <a:t>12/15/2022</a:t>
             </a:fld>
             <a:endParaRPr lang="en-US"/>
           </a:p>
@@ -4839,7 +4839,7 @@
           <a:p>
             <a:fld id="{1C366A2B-4610-4FB2-B411-A1548BE07C36}" type="datetimeFigureOut">
               <a:rPr lang="en-US" smtClean="0"/>
-              <a:t>10/2/2022</a:t>
+              <a:t>12/15/2022</a:t>
             </a:fld>
             <a:endParaRPr lang="en-US"/>
           </a:p>
@@ -5017,7 +5017,7 @@
           <a:p>
             <a:fld id="{1C366A2B-4610-4FB2-B411-A1548BE07C36}" type="datetimeFigureOut">
               <a:rPr lang="en-US" smtClean="0"/>
-              <a:t>10/2/2022</a:t>
+              <a:t>12/15/2022</a:t>
             </a:fld>
             <a:endParaRPr lang="en-US"/>
           </a:p>
@@ -5185,7 +5185,7 @@
           <a:p>
             <a:fld id="{1C366A2B-4610-4FB2-B411-A1548BE07C36}" type="datetimeFigureOut">
               <a:rPr lang="en-US" smtClean="0"/>
-              <a:t>10/2/2022</a:t>
+              <a:t>12/15/2022</a:t>
             </a:fld>
             <a:endParaRPr lang="en-US"/>
           </a:p>
@@ -5430,7 +5430,7 @@
           <a:p>
             <a:fld id="{1C366A2B-4610-4FB2-B411-A1548BE07C36}" type="datetimeFigureOut">
               <a:rPr lang="en-US" smtClean="0"/>
-              <a:t>10/2/2022</a:t>
+              <a:t>12/15/2022</a:t>
             </a:fld>
             <a:endParaRPr lang="en-US"/>
           </a:p>
@@ -5659,7 +5659,7 @@
           <a:p>
             <a:fld id="{1C366A2B-4610-4FB2-B411-A1548BE07C36}" type="datetimeFigureOut">
               <a:rPr lang="en-US" smtClean="0"/>
-              <a:t>10/2/2022</a:t>
+              <a:t>12/15/2022</a:t>
             </a:fld>
             <a:endParaRPr lang="en-US"/>
           </a:p>
@@ -6023,7 +6023,7 @@
           <a:p>
             <a:fld id="{1C366A2B-4610-4FB2-B411-A1548BE07C36}" type="datetimeFigureOut">
               <a:rPr lang="en-US" smtClean="0"/>
-              <a:t>10/2/2022</a:t>
+              <a:t>12/15/2022</a:t>
             </a:fld>
             <a:endParaRPr lang="en-US"/>
           </a:p>
@@ -6140,7 +6140,7 @@
           <a:p>
             <a:fld id="{1C366A2B-4610-4FB2-B411-A1548BE07C36}" type="datetimeFigureOut">
               <a:rPr lang="en-US" smtClean="0"/>
-              <a:t>10/2/2022</a:t>
+              <a:t>12/15/2022</a:t>
             </a:fld>
             <a:endParaRPr lang="en-US"/>
           </a:p>
@@ -6235,7 +6235,7 @@
           <a:p>
             <a:fld id="{1C366A2B-4610-4FB2-B411-A1548BE07C36}" type="datetimeFigureOut">
               <a:rPr lang="en-US" smtClean="0"/>
-              <a:t>10/2/2022</a:t>
+              <a:t>12/15/2022</a:t>
             </a:fld>
             <a:endParaRPr lang="en-US"/>
           </a:p>
@@ -6510,7 +6510,7 @@
           <a:p>
             <a:fld id="{1C366A2B-4610-4FB2-B411-A1548BE07C36}" type="datetimeFigureOut">
               <a:rPr lang="en-US" smtClean="0"/>
-              <a:t>10/2/2022</a:t>
+              <a:t>12/15/2022</a:t>
             </a:fld>
             <a:endParaRPr lang="en-US"/>
           </a:p>
@@ -6762,7 +6762,7 @@
           <a:p>
             <a:fld id="{1C366A2B-4610-4FB2-B411-A1548BE07C36}" type="datetimeFigureOut">
               <a:rPr lang="en-US" smtClean="0"/>
-              <a:t>10/2/2022</a:t>
+              <a:t>12/15/2022</a:t>
             </a:fld>
             <a:endParaRPr lang="en-US"/>
           </a:p>
@@ -6973,7 +6973,7 @@
           <a:p>
             <a:fld id="{1C366A2B-4610-4FB2-B411-A1548BE07C36}" type="datetimeFigureOut">
               <a:rPr lang="en-US" smtClean="0"/>
-              <a:t>10/2/2022</a:t>
+              <a:t>12/15/2022</a:t>
             </a:fld>
             <a:endParaRPr lang="en-US"/>
           </a:p>
@@ -7523,8 +7523,8 @@
           </a:p>
         </p:txBody>
       </p:sp>
-      <mc:AlternateContent xmlns:mc="http://schemas.openxmlformats.org/markup-compatibility/2006">
-        <mc:Choice xmlns:a14="http://schemas.microsoft.com/office/drawing/2010/main" Requires="a14">
+      <mc:AlternateContent xmlns:mc="http://schemas.openxmlformats.org/markup-compatibility/2006" xmlns:a14="http://schemas.microsoft.com/office/drawing/2010/main">
+        <mc:Choice Requires="a14">
           <p:sp>
             <p:nvSpPr>
               <p:cNvPr id="3" name="Content Placeholder 2">
@@ -7615,7 +7615,7 @@
             </p:txBody>
           </p:sp>
         </mc:Choice>
-        <mc:Fallback>
+        <mc:Fallback xmlns="">
           <p:sp>
             <p:nvSpPr>
               <p:cNvPr id="3" name="Content Placeholder 2">
@@ -8644,8 +8644,8 @@
           </a:p>
         </p:txBody>
       </p:sp>
-      <mc:AlternateContent xmlns:mc="http://schemas.openxmlformats.org/markup-compatibility/2006">
-        <mc:Choice xmlns:a14="http://schemas.microsoft.com/office/drawing/2010/main" Requires="a14">
+      <mc:AlternateContent xmlns:mc="http://schemas.openxmlformats.org/markup-compatibility/2006" xmlns:a14="http://schemas.microsoft.com/office/drawing/2010/main">
+        <mc:Choice Requires="a14">
           <p:sp>
             <p:nvSpPr>
               <p:cNvPr id="3" name="Content Placeholder 2"/>
@@ -8720,7 +8720,7 @@
                         <m:endChr m:val="]"/>
                         <m:ctrlPr>
                           <a:rPr lang="en-US" i="1">
-                            <a:latin typeface="Cambria Math" charset="0"/>
+                            <a:latin typeface="Cambria Math" panose="02040503050406030204" pitchFamily="18" charset="0"/>
                           </a:rPr>
                         </m:ctrlPr>
                       </m:dPr>
@@ -9588,7 +9588,7 @@
             </p:txBody>
           </p:sp>
         </mc:Choice>
-        <mc:Fallback>
+        <mc:Fallback xmlns="">
           <p:sp>
             <p:nvSpPr>
               <p:cNvPr id="3" name="Content Placeholder 2"/>
@@ -17529,7 +17529,15 @@
             </a:pPr>
             <a:r>
               <a:rPr lang="en-US" sz="2000" dirty="0"/>
-              <a:t>In practice, we would calculate TPR and FPF for many more thresholds than just 2</a:t>
+              <a:t>In practice, we would calculate TPR </a:t>
+            </a:r>
+            <a:r>
+              <a:rPr lang="en-US" sz="2000"/>
+              <a:t>and FPR </a:t>
+            </a:r>
+            <a:r>
+              <a:rPr lang="en-US" sz="2000" dirty="0"/>
+              <a:t>for many more thresholds than just 2</a:t>
             </a:r>
           </a:p>
           <a:p>
@@ -31852,8 +31860,8 @@
           </a:p>
         </p:txBody>
       </p:sp>
-      <mc:AlternateContent xmlns:mc="http://schemas.openxmlformats.org/markup-compatibility/2006">
-        <mc:Choice xmlns:a14="http://schemas.microsoft.com/office/drawing/2010/main" Requires="a14">
+      <mc:AlternateContent xmlns:mc="http://schemas.openxmlformats.org/markup-compatibility/2006" xmlns:a14="http://schemas.microsoft.com/office/drawing/2010/main">
+        <mc:Choice Requires="a14">
           <p:sp>
             <p:nvSpPr>
               <p:cNvPr id="3" name="Content Placeholder 2"/>
@@ -32400,7 +32408,7 @@
             </p:txBody>
           </p:sp>
         </mc:Choice>
-        <mc:Fallback>
+        <mc:Fallback xmlns="">
           <p:sp>
             <p:nvSpPr>
               <p:cNvPr id="3" name="Content Placeholder 2"/>
